--- a/mhw3.pptx
+++ b/mhw3.pptx
@@ -5,15 +5,17 @@
     <p:sldMasterId id="2147484029" r:id="rId1"/>
   </p:sldMasterIdLst>
   <p:notesMasterIdLst>
-    <p:notesMasterId r:id="rId8"/>
+    <p:notesMasterId r:id="rId10"/>
   </p:notesMasterIdLst>
   <p:sldIdLst>
     <p:sldId id="256" r:id="rId2"/>
     <p:sldId id="257" r:id="rId3"/>
     <p:sldId id="258" r:id="rId4"/>
-    <p:sldId id="259" r:id="rId5"/>
-    <p:sldId id="260" r:id="rId6"/>
-    <p:sldId id="261" r:id="rId7"/>
+    <p:sldId id="263" r:id="rId5"/>
+    <p:sldId id="259" r:id="rId6"/>
+    <p:sldId id="260" r:id="rId7"/>
+    <p:sldId id="261" r:id="rId8"/>
+    <p:sldId id="262" r:id="rId9"/>
   </p:sldIdLst>
   <p:sldSz cx="12192000" cy="6858000"/>
   <p:notesSz cx="6858000" cy="9144000"/>
@@ -136,8 +138,101 @@
 <p1510:revInfo xmlns:a="http://schemas.openxmlformats.org/drawingml/2006/main" xmlns:r="http://schemas.openxmlformats.org/officeDocument/2006/relationships" xmlns:p1510="http://schemas.microsoft.com/office/powerpoint/2015/10/main">
   <p1510:revLst>
     <p1510:client id="{16477F33-4BC0-4337-BEE3-F0E629409D8A}" v="13" dt="2021-04-26T17:53:28.811"/>
+    <p1510:client id="{2A0E2378-03F6-496E-BB2D-CC28839811FD}" v="2" dt="2021-04-26T20:10:43.944"/>
   </p1510:revLst>
 </p1510:revInfo>
+</file>
+
+<file path=ppt/changesInfos/changesInfo1.xml><?xml version="1.0" encoding="utf-8"?>
+<pc:chgInfo xmlns:a="http://schemas.openxmlformats.org/drawingml/2006/main" xmlns:r="http://schemas.openxmlformats.org/officeDocument/2006/relationships" xmlns:ac="http://schemas.microsoft.com/office/drawing/2013/main/command" xmlns:pc="http://schemas.microsoft.com/office/powerpoint/2013/main/command">
+  <pc:docChgLst>
+    <pc:chgData name="Agata Rosselli" userId="0e3835dbe8917e97" providerId="LiveId" clId="{2A0E2378-03F6-496E-BB2D-CC28839811FD}"/>
+    <pc:docChg chg="custSel addSld modSld sldOrd">
+      <pc:chgData name="Agata Rosselli" userId="0e3835dbe8917e97" providerId="LiveId" clId="{2A0E2378-03F6-496E-BB2D-CC28839811FD}" dt="2021-04-26T20:12:11.372" v="51" actId="1076"/>
+      <pc:docMkLst>
+        <pc:docMk/>
+      </pc:docMkLst>
+      <pc:sldChg chg="addSp delSp modSp new mod ord">
+        <pc:chgData name="Agata Rosselli" userId="0e3835dbe8917e97" providerId="LiveId" clId="{2A0E2378-03F6-496E-BB2D-CC28839811FD}" dt="2021-04-26T20:09:18.263" v="26"/>
+        <pc:sldMkLst>
+          <pc:docMk/>
+          <pc:sldMk cId="2282673396" sldId="262"/>
+        </pc:sldMkLst>
+        <pc:spChg chg="del">
+          <ac:chgData name="Agata Rosselli" userId="0e3835dbe8917e97" providerId="LiveId" clId="{2A0E2378-03F6-496E-BB2D-CC28839811FD}" dt="2021-04-26T20:07:20.178" v="1" actId="478"/>
+          <ac:spMkLst>
+            <pc:docMk/>
+            <pc:sldMk cId="2282673396" sldId="262"/>
+            <ac:spMk id="2" creationId="{0ABAF685-CB41-4AE0-B915-70559C79D8C8}"/>
+          </ac:spMkLst>
+        </pc:spChg>
+        <pc:spChg chg="del">
+          <ac:chgData name="Agata Rosselli" userId="0e3835dbe8917e97" providerId="LiveId" clId="{2A0E2378-03F6-496E-BB2D-CC28839811FD}" dt="2021-04-26T20:07:52.372" v="18" actId="478"/>
+          <ac:spMkLst>
+            <pc:docMk/>
+            <pc:sldMk cId="2282673396" sldId="262"/>
+            <ac:spMk id="3" creationId="{124C6DFF-5487-43CD-82C3-44EA5E334EF4}"/>
+          </ac:spMkLst>
+        </pc:spChg>
+        <pc:spChg chg="add mod">
+          <ac:chgData name="Agata Rosselli" userId="0e3835dbe8917e97" providerId="LiveId" clId="{2A0E2378-03F6-496E-BB2D-CC28839811FD}" dt="2021-04-26T20:07:50.019" v="17" actId="113"/>
+          <ac:spMkLst>
+            <pc:docMk/>
+            <pc:sldMk cId="2282673396" sldId="262"/>
+            <ac:spMk id="4" creationId="{599A9DBA-8594-4A2C-A08E-47991BF545AB}"/>
+          </ac:spMkLst>
+        </pc:spChg>
+        <pc:spChg chg="add mod">
+          <ac:chgData name="Agata Rosselli" userId="0e3835dbe8917e97" providerId="LiveId" clId="{2A0E2378-03F6-496E-BB2D-CC28839811FD}" dt="2021-04-26T20:09:00.990" v="24" actId="207"/>
+          <ac:spMkLst>
+            <pc:docMk/>
+            <pc:sldMk cId="2282673396" sldId="262"/>
+            <ac:spMk id="6" creationId="{9D8EAB9E-930A-46CD-93FC-7655F9807DDB}"/>
+          </ac:spMkLst>
+        </pc:spChg>
+      </pc:sldChg>
+      <pc:sldChg chg="addSp delSp modSp new mod">
+        <pc:chgData name="Agata Rosselli" userId="0e3835dbe8917e97" providerId="LiveId" clId="{2A0E2378-03F6-496E-BB2D-CC28839811FD}" dt="2021-04-26T20:12:11.372" v="51" actId="1076"/>
+        <pc:sldMkLst>
+          <pc:docMk/>
+          <pc:sldMk cId="964191124" sldId="263"/>
+        </pc:sldMkLst>
+        <pc:spChg chg="del">
+          <ac:chgData name="Agata Rosselli" userId="0e3835dbe8917e97" providerId="LiveId" clId="{2A0E2378-03F6-496E-BB2D-CC28839811FD}" dt="2021-04-26T20:10:28.918" v="28" actId="478"/>
+          <ac:spMkLst>
+            <pc:docMk/>
+            <pc:sldMk cId="964191124" sldId="263"/>
+            <ac:spMk id="2" creationId="{28B85740-2069-4C6E-B139-AF4C97410B3E}"/>
+          </ac:spMkLst>
+        </pc:spChg>
+        <pc:spChg chg="del">
+          <ac:chgData name="Agata Rosselli" userId="0e3835dbe8917e97" providerId="LiveId" clId="{2A0E2378-03F6-496E-BB2D-CC28839811FD}" dt="2021-04-26T20:10:31.408" v="29" actId="478"/>
+          <ac:spMkLst>
+            <pc:docMk/>
+            <pc:sldMk cId="964191124" sldId="263"/>
+            <ac:spMk id="3" creationId="{0D67B2D6-9829-402C-80BF-F31EA8C4DDEA}"/>
+          </ac:spMkLst>
+        </pc:spChg>
+        <pc:spChg chg="add mod">
+          <ac:chgData name="Agata Rosselli" userId="0e3835dbe8917e97" providerId="LiveId" clId="{2A0E2378-03F6-496E-BB2D-CC28839811FD}" dt="2021-04-26T20:11:04.789" v="46" actId="1076"/>
+          <ac:spMkLst>
+            <pc:docMk/>
+            <pc:sldMk cId="964191124" sldId="263"/>
+            <ac:spMk id="4" creationId="{FF93AF77-536F-4AD3-9A1A-EEA5F0FFFFEA}"/>
+          </ac:spMkLst>
+        </pc:spChg>
+        <pc:spChg chg="add mod">
+          <ac:chgData name="Agata Rosselli" userId="0e3835dbe8917e97" providerId="LiveId" clId="{2A0E2378-03F6-496E-BB2D-CC28839811FD}" dt="2021-04-26T20:12:11.372" v="51" actId="1076"/>
+          <ac:spMkLst>
+            <pc:docMk/>
+            <pc:sldMk cId="964191124" sldId="263"/>
+            <ac:spMk id="6" creationId="{1E9CFD3D-B420-45C6-863B-F413757445AB}"/>
+          </ac:spMkLst>
+        </pc:spChg>
+      </pc:sldChg>
+    </pc:docChg>
+  </pc:docChgLst>
+</pc:chgInfo>
 </file>
 
 <file path=ppt/notesMasters/notesMaster1.xml><?xml version="1.0" encoding="utf-8"?>
@@ -7225,6 +7320,291 @@
           <p:cNvPr id="4" name="CasellaDiTesto 3">
             <a:extLst>
               <a:ext uri="{FF2B5EF4-FFF2-40B4-BE49-F238E27FC236}">
+                <a16:creationId xmlns:a16="http://schemas.microsoft.com/office/drawing/2014/main" id="{FF93AF77-536F-4AD3-9A1A-EEA5F0FFFFEA}"/>
+              </a:ext>
+            </a:extLst>
+          </p:cNvPr>
+          <p:cNvSpPr txBox="1"/>
+          <p:nvPr/>
+        </p:nvSpPr>
+        <p:spPr>
+          <a:xfrm>
+            <a:off x="1615440" y="198119"/>
+            <a:ext cx="8961120" cy="461665"/>
+          </a:xfrm>
+          <a:prstGeom prst="rect">
+            <a:avLst/>
+          </a:prstGeom>
+          <a:noFill/>
+        </p:spPr>
+        <p:txBody>
+          <a:bodyPr wrap="square" rtlCol="0">
+            <a:spAutoFit/>
+          </a:bodyPr>
+          <a:lstStyle/>
+          <a:p>
+            <a:pPr algn="ctr"/>
+            <a:r>
+              <a:rPr lang="it-IT" sz="2400" b="1" dirty="0"/>
+              <a:t>FILE JSON</a:t>
+            </a:r>
+          </a:p>
+        </p:txBody>
+      </p:sp>
+      <p:sp>
+        <p:nvSpPr>
+          <p:cNvPr id="6" name="CasellaDiTesto 5">
+            <a:extLst>
+              <a:ext uri="{FF2B5EF4-FFF2-40B4-BE49-F238E27FC236}">
+                <a16:creationId xmlns:a16="http://schemas.microsoft.com/office/drawing/2014/main" id="{1E9CFD3D-B420-45C6-863B-F413757445AB}"/>
+              </a:ext>
+            </a:extLst>
+          </p:cNvPr>
+          <p:cNvSpPr txBox="1"/>
+          <p:nvPr/>
+        </p:nvSpPr>
+        <p:spPr>
+          <a:xfrm>
+            <a:off x="304800" y="889843"/>
+            <a:ext cx="12009120" cy="5078313"/>
+          </a:xfrm>
+          <a:prstGeom prst="rect">
+            <a:avLst/>
+          </a:prstGeom>
+          <a:noFill/>
+        </p:spPr>
+        <p:txBody>
+          <a:bodyPr wrap="square">
+            <a:spAutoFit/>
+          </a:bodyPr>
+          <a:lstStyle/>
+          <a:p>
+            <a:r>
+              <a:rPr lang="it-IT" dirty="0" err="1"/>
+              <a:t>results</a:t>
+            </a:r>
+            <a:r>
+              <a:rPr lang="it-IT" dirty="0"/>
+              <a:t>: Array(24)</a:t>
+            </a:r>
+          </a:p>
+          <a:p>
+            <a:r>
+              <a:rPr lang="it-IT" dirty="0"/>
+              <a:t>0:</a:t>
+            </a:r>
+          </a:p>
+          <a:p>
+            <a:r>
+              <a:rPr lang="it-IT" dirty="0" err="1"/>
+              <a:t>cell</a:t>
+            </a:r>
+            <a:r>
+              <a:rPr lang="it-IT" dirty="0"/>
+              <a:t>: "(436)-202-8266"</a:t>
+            </a:r>
+          </a:p>
+          <a:p>
+            <a:r>
+              <a:rPr lang="it-IT" dirty="0" err="1"/>
+              <a:t>dob</a:t>
+            </a:r>
+            <a:r>
+              <a:rPr lang="it-IT" dirty="0"/>
+              <a:t>: {date: "1970-05-09T11:45:56.576Z", </a:t>
+            </a:r>
+            <a:r>
+              <a:rPr lang="it-IT" dirty="0" err="1"/>
+              <a:t>age</a:t>
+            </a:r>
+            <a:r>
+              <a:rPr lang="it-IT" dirty="0"/>
+              <a:t>: 51}</a:t>
+            </a:r>
+          </a:p>
+          <a:p>
+            <a:r>
+              <a:rPr lang="it-IT" dirty="0"/>
+              <a:t>email: "alberto.fletcher@example.com"</a:t>
+            </a:r>
+          </a:p>
+          <a:p>
+            <a:r>
+              <a:rPr lang="it-IT" dirty="0"/>
+              <a:t>gender: "male"</a:t>
+            </a:r>
+          </a:p>
+          <a:p>
+            <a:r>
+              <a:rPr lang="it-IT" dirty="0"/>
+              <a:t>id: {name: "SSN", </a:t>
+            </a:r>
+            <a:r>
+              <a:rPr lang="it-IT" dirty="0" err="1"/>
+              <a:t>value</a:t>
+            </a:r>
+            <a:r>
+              <a:rPr lang="it-IT" dirty="0"/>
+              <a:t>: "916-02-1673"}</a:t>
+            </a:r>
+          </a:p>
+          <a:p>
+            <a:r>
+              <a:rPr lang="it-IT" dirty="0"/>
+              <a:t>location: {street: {…}, city: "Surrey", state: "Louisiana", country: "United States", </a:t>
+            </a:r>
+            <a:r>
+              <a:rPr lang="it-IT" dirty="0" err="1"/>
+              <a:t>postcode</a:t>
+            </a:r>
+            <a:r>
+              <a:rPr lang="it-IT" dirty="0"/>
+              <a:t>: 60792, …}</a:t>
+            </a:r>
+          </a:p>
+          <a:p>
+            <a:r>
+              <a:rPr lang="it-IT" dirty="0"/>
+              <a:t>login: {</a:t>
+            </a:r>
+            <a:r>
+              <a:rPr lang="it-IT" dirty="0" err="1"/>
+              <a:t>uuid</a:t>
+            </a:r>
+            <a:r>
+              <a:rPr lang="it-IT" dirty="0"/>
+              <a:t>: "0419fe59-f880-486e-a5d2-f7fe1ca6747a", username: "ticklishcat978", password: "</a:t>
+            </a:r>
+            <a:r>
+              <a:rPr lang="it-IT" dirty="0" err="1"/>
+              <a:t>filthy</a:t>
+            </a:r>
+            <a:r>
+              <a:rPr lang="it-IT" dirty="0"/>
+              <a:t>", </a:t>
+            </a:r>
+            <a:r>
+              <a:rPr lang="it-IT" dirty="0" err="1"/>
+              <a:t>salt</a:t>
+            </a:r>
+            <a:r>
+              <a:rPr lang="it-IT" dirty="0"/>
+              <a:t>: "0FHaHA6z", md5: "026f69e94f0b05734fcb8a42f8149b05", …}</a:t>
+            </a:r>
+          </a:p>
+          <a:p>
+            <a:r>
+              <a:rPr lang="it-IT" dirty="0"/>
+              <a:t>name: {</a:t>
+            </a:r>
+            <a:r>
+              <a:rPr lang="it-IT" dirty="0" err="1"/>
+              <a:t>title</a:t>
+            </a:r>
+            <a:r>
+              <a:rPr lang="it-IT" dirty="0"/>
+              <a:t>: "</a:t>
+            </a:r>
+            <a:r>
+              <a:rPr lang="it-IT" dirty="0" err="1"/>
+              <a:t>Mr</a:t>
+            </a:r>
+            <a:r>
+              <a:rPr lang="it-IT" dirty="0"/>
+              <a:t>", first: "Alberto", last: "Fletcher"}</a:t>
+            </a:r>
+          </a:p>
+          <a:p>
+            <a:r>
+              <a:rPr lang="it-IT" dirty="0" err="1"/>
+              <a:t>nat</a:t>
+            </a:r>
+            <a:r>
+              <a:rPr lang="it-IT" dirty="0"/>
+              <a:t>: "US"</a:t>
+            </a:r>
+          </a:p>
+          <a:p>
+            <a:r>
+              <a:rPr lang="it-IT" dirty="0"/>
+              <a:t>phone: "(076)-442-4683"</a:t>
+            </a:r>
+          </a:p>
+          <a:p>
+            <a:r>
+              <a:rPr lang="it-IT" dirty="0"/>
+              <a:t>picture: {large: "https://randomuser.me/api/portraits/men/90.jpg", medium: "https://randomuser.me/api/portraits/med/men/90.jpg", </a:t>
+            </a:r>
+            <a:r>
+              <a:rPr lang="it-IT" dirty="0" err="1"/>
+              <a:t>thumbnail</a:t>
+            </a:r>
+            <a:r>
+              <a:rPr lang="it-IT" dirty="0"/>
+              <a:t>: "https://randomuser.me/api/portraits/thumb/men/90.jpg"}</a:t>
+            </a:r>
+          </a:p>
+          <a:p>
+            <a:r>
+              <a:rPr lang="it-IT" dirty="0" err="1"/>
+              <a:t>registered</a:t>
+            </a:r>
+            <a:r>
+              <a:rPr lang="it-IT" dirty="0"/>
+              <a:t>: {date: "2018-09-07T05:35:00.104Z", </a:t>
+            </a:r>
+            <a:r>
+              <a:rPr lang="it-IT" dirty="0" err="1"/>
+              <a:t>age</a:t>
+            </a:r>
+            <a:r>
+              <a:rPr lang="it-IT" dirty="0"/>
+              <a:t>: 3}</a:t>
+            </a:r>
+          </a:p>
+          <a:p>
+            <a:r>
+              <a:rPr lang="it-IT" dirty="0"/>
+              <a:t>__proto__: Object</a:t>
+            </a:r>
+          </a:p>
+        </p:txBody>
+      </p:sp>
+    </p:spTree>
+    <p:extLst>
+      <p:ext uri="{BB962C8B-B14F-4D97-AF65-F5344CB8AC3E}">
+        <p14:creationId xmlns:p14="http://schemas.microsoft.com/office/powerpoint/2010/main" val="964191124"/>
+      </p:ext>
+    </p:extLst>
+  </p:cSld>
+  <p:clrMapOvr>
+    <a:masterClrMapping/>
+  </p:clrMapOvr>
+</p:sld>
+</file>
+
+<file path=ppt/slides/slide5.xml><?xml version="1.0" encoding="utf-8"?>
+<p:sld xmlns:a="http://schemas.openxmlformats.org/drawingml/2006/main" xmlns:r="http://schemas.openxmlformats.org/officeDocument/2006/relationships" xmlns:p="http://schemas.openxmlformats.org/presentationml/2006/main">
+  <p:cSld>
+    <p:spTree>
+      <p:nvGrpSpPr>
+        <p:cNvPr id="1" name=""/>
+        <p:cNvGrpSpPr/>
+        <p:nvPr/>
+      </p:nvGrpSpPr>
+      <p:grpSpPr>
+        <a:xfrm>
+          <a:off x="0" y="0"/>
+          <a:ext cx="0" cy="0"/>
+          <a:chOff x="0" y="0"/>
+          <a:chExt cx="0" cy="0"/>
+        </a:xfrm>
+      </p:grpSpPr>
+      <p:sp>
+        <p:nvSpPr>
+          <p:cNvPr id="4" name="CasellaDiTesto 3">
+            <a:extLst>
+              <a:ext uri="{FF2B5EF4-FFF2-40B4-BE49-F238E27FC236}">
                 <a16:creationId xmlns:a16="http://schemas.microsoft.com/office/drawing/2014/main" id="{BA4FB2AB-3049-4695-9F45-77CFE86BD742}"/>
               </a:ext>
             </a:extLst>
@@ -7316,7 +7696,7 @@
 </p:sld>
 </file>
 
-<file path=ppt/slides/slide5.xml><?xml version="1.0" encoding="utf-8"?>
+<file path=ppt/slides/slide6.xml><?xml version="1.0" encoding="utf-8"?>
 <p:sld xmlns:a="http://schemas.openxmlformats.org/drawingml/2006/main" xmlns:r="http://schemas.openxmlformats.org/officeDocument/2006/relationships" xmlns:p="http://schemas.openxmlformats.org/presentationml/2006/main">
   <p:cSld>
     <p:spTree>
@@ -7380,7 +7760,7 @@
 </p:sld>
 </file>
 
-<file path=ppt/slides/slide6.xml><?xml version="1.0" encoding="utf-8"?>
+<file path=ppt/slides/slide7.xml><?xml version="1.0" encoding="utf-8"?>
 <p:sld xmlns:a="http://schemas.openxmlformats.org/drawingml/2006/main" xmlns:r="http://schemas.openxmlformats.org/officeDocument/2006/relationships" xmlns:p="http://schemas.openxmlformats.org/presentationml/2006/main">
   <p:cSld>
     <p:spTree>
@@ -7487,6 +7867,576 @@
     <p:extLst>
       <p:ext uri="{BB962C8B-B14F-4D97-AF65-F5344CB8AC3E}">
         <p14:creationId xmlns:p14="http://schemas.microsoft.com/office/powerpoint/2010/main" val="2274836061"/>
+      </p:ext>
+    </p:extLst>
+  </p:cSld>
+  <p:clrMapOvr>
+    <a:masterClrMapping/>
+  </p:clrMapOvr>
+</p:sld>
+</file>
+
+<file path=ppt/slides/slide8.xml><?xml version="1.0" encoding="utf-8"?>
+<p:sld xmlns:a="http://schemas.openxmlformats.org/drawingml/2006/main" xmlns:r="http://schemas.openxmlformats.org/officeDocument/2006/relationships" xmlns:p="http://schemas.openxmlformats.org/presentationml/2006/main">
+  <p:cSld>
+    <p:spTree>
+      <p:nvGrpSpPr>
+        <p:cNvPr id="1" name=""/>
+        <p:cNvGrpSpPr/>
+        <p:nvPr/>
+      </p:nvGrpSpPr>
+      <p:grpSpPr>
+        <a:xfrm>
+          <a:off x="0" y="0"/>
+          <a:ext cx="0" cy="0"/>
+          <a:chOff x="0" y="0"/>
+          <a:chExt cx="0" cy="0"/>
+        </a:xfrm>
+      </p:grpSpPr>
+      <p:sp>
+        <p:nvSpPr>
+          <p:cNvPr id="4" name="CasellaDiTesto 3">
+            <a:extLst>
+              <a:ext uri="{FF2B5EF4-FFF2-40B4-BE49-F238E27FC236}">
+                <a16:creationId xmlns:a16="http://schemas.microsoft.com/office/drawing/2014/main" id="{599A9DBA-8594-4A2C-A08E-47991BF545AB}"/>
+              </a:ext>
+            </a:extLst>
+          </p:cNvPr>
+          <p:cNvSpPr txBox="1"/>
+          <p:nvPr/>
+        </p:nvSpPr>
+        <p:spPr>
+          <a:xfrm>
+            <a:off x="1335796" y="3572"/>
+            <a:ext cx="9509760" cy="523220"/>
+          </a:xfrm>
+          <a:prstGeom prst="rect">
+            <a:avLst/>
+          </a:prstGeom>
+          <a:noFill/>
+        </p:spPr>
+        <p:txBody>
+          <a:bodyPr wrap="square" rtlCol="0">
+            <a:spAutoFit/>
+          </a:bodyPr>
+          <a:lstStyle/>
+          <a:p>
+            <a:pPr algn="ctr"/>
+            <a:r>
+              <a:rPr lang="it-IT" sz="2800" b="1" dirty="0"/>
+              <a:t>FILE JSON</a:t>
+            </a:r>
+          </a:p>
+        </p:txBody>
+      </p:sp>
+      <p:sp>
+        <p:nvSpPr>
+          <p:cNvPr id="6" name="CasellaDiTesto 5">
+            <a:extLst>
+              <a:ext uri="{FF2B5EF4-FFF2-40B4-BE49-F238E27FC236}">
+                <a16:creationId xmlns:a16="http://schemas.microsoft.com/office/drawing/2014/main" id="{9D8EAB9E-930A-46CD-93FC-7655F9807DDB}"/>
+              </a:ext>
+            </a:extLst>
+          </p:cNvPr>
+          <p:cNvSpPr txBox="1"/>
+          <p:nvPr/>
+        </p:nvSpPr>
+        <p:spPr>
+          <a:xfrm>
+            <a:off x="0" y="526792"/>
+            <a:ext cx="12192000" cy="6186309"/>
+          </a:xfrm>
+          <a:prstGeom prst="rect">
+            <a:avLst/>
+          </a:prstGeom>
+          <a:noFill/>
+        </p:spPr>
+        <p:txBody>
+          <a:bodyPr wrap="square">
+            <a:spAutoFit/>
+          </a:bodyPr>
+          <a:lstStyle/>
+          <a:p>
+            <a:pPr algn="l">
+              <a:buFont typeface="+mj-lt"/>
+              <a:buAutoNum type="arabicPeriod"/>
+            </a:pPr>
+            <a:r>
+              <a:rPr lang="it-IT" sz="1600" b="0" i="0" dirty="0">
+                <a:effectLst/>
+                <a:latin typeface="consolas" panose="020B0609020204030204" pitchFamily="49" charset="0"/>
+              </a:rPr>
+              <a:t>items: Array(6)</a:t>
+            </a:r>
+          </a:p>
+          <a:p>
+            <a:pPr marL="742950" lvl="1" indent="-285750" algn="l">
+              <a:buFont typeface="+mj-lt"/>
+              <a:buAutoNum type="arabicPeriod"/>
+            </a:pPr>
+            <a:r>
+              <a:rPr lang="it-IT" sz="1600" b="0" i="0" dirty="0">
+                <a:effectLst/>
+                <a:latin typeface="consolas" panose="020B0609020204030204" pitchFamily="49" charset="0"/>
+              </a:rPr>
+              <a:t>0:</a:t>
+            </a:r>
+          </a:p>
+          <a:p>
+            <a:pPr marL="1143000" lvl="2" indent="-228600" algn="l">
+              <a:buFont typeface="+mj-lt"/>
+              <a:buAutoNum type="arabicPeriod"/>
+            </a:pPr>
+            <a:r>
+              <a:rPr lang="it-IT" sz="1600" b="0" i="0" dirty="0" err="1">
+                <a:effectLst/>
+                <a:latin typeface="consolas" panose="020B0609020204030204" pitchFamily="49" charset="0"/>
+              </a:rPr>
+              <a:t>colorId</a:t>
+            </a:r>
+            <a:r>
+              <a:rPr lang="it-IT" sz="1600" b="0" i="0" dirty="0">
+                <a:effectLst/>
+                <a:latin typeface="consolas" panose="020B0609020204030204" pitchFamily="49" charset="0"/>
+              </a:rPr>
+              <a:t>: "11"</a:t>
+            </a:r>
+          </a:p>
+          <a:p>
+            <a:pPr marL="1143000" lvl="2" indent="-228600" algn="l">
+              <a:buFont typeface="+mj-lt"/>
+              <a:buAutoNum type="arabicPeriod"/>
+            </a:pPr>
+            <a:r>
+              <a:rPr lang="it-IT" sz="1600" b="0" i="0" dirty="0" err="1">
+                <a:effectLst/>
+                <a:latin typeface="consolas" panose="020B0609020204030204" pitchFamily="49" charset="0"/>
+              </a:rPr>
+              <a:t>created</a:t>
+            </a:r>
+            <a:r>
+              <a:rPr lang="it-IT" sz="1600" b="0" i="0" dirty="0">
+                <a:effectLst/>
+                <a:latin typeface="consolas" panose="020B0609020204030204" pitchFamily="49" charset="0"/>
+              </a:rPr>
+              <a:t>: "2021-04-19T15:24:55.000Z"</a:t>
+            </a:r>
+          </a:p>
+          <a:p>
+            <a:pPr marL="1143000" lvl="2" indent="-228600" algn="l">
+              <a:buFont typeface="+mj-lt"/>
+              <a:buAutoNum type="arabicPeriod"/>
+            </a:pPr>
+            <a:r>
+              <a:rPr lang="it-IT" sz="1600" b="0" i="0" dirty="0">
+                <a:effectLst/>
+                <a:latin typeface="consolas" panose="020B0609020204030204" pitchFamily="49" charset="0"/>
+              </a:rPr>
+              <a:t>creator: {email: "agatarosselli@gmail.com"}</a:t>
+            </a:r>
+          </a:p>
+          <a:p>
+            <a:pPr marL="1143000" lvl="2" indent="-228600" algn="l">
+              <a:buFont typeface="+mj-lt"/>
+              <a:buAutoNum type="arabicPeriod"/>
+            </a:pPr>
+            <a:r>
+              <a:rPr lang="it-IT" sz="1600" b="0" i="0" dirty="0" err="1">
+                <a:effectLst/>
+                <a:latin typeface="consolas" panose="020B0609020204030204" pitchFamily="49" charset="0"/>
+              </a:rPr>
+              <a:t>description</a:t>
+            </a:r>
+            <a:r>
+              <a:rPr lang="it-IT" sz="1600" b="0" i="0" dirty="0">
+                <a:effectLst/>
+                <a:latin typeface="consolas" panose="020B0609020204030204" pitchFamily="49" charset="0"/>
+              </a:rPr>
+              <a:t>: "Gara di </a:t>
+            </a:r>
+            <a:r>
+              <a:rPr lang="it-IT" sz="1600" b="0" i="0" dirty="0" err="1">
+                <a:effectLst/>
+                <a:latin typeface="consolas" panose="020B0609020204030204" pitchFamily="49" charset="0"/>
+              </a:rPr>
+              <a:t>Tul</a:t>
+            </a:r>
+            <a:r>
+              <a:rPr lang="it-IT" sz="1600" b="0" i="0" dirty="0">
+                <a:effectLst/>
+                <a:latin typeface="consolas" panose="020B0609020204030204" pitchFamily="49" charset="0"/>
+              </a:rPr>
+              <a:t>"</a:t>
+            </a:r>
+          </a:p>
+          <a:p>
+            <a:pPr marL="1143000" lvl="2" indent="-228600" algn="l">
+              <a:buFont typeface="+mj-lt"/>
+              <a:buAutoNum type="arabicPeriod"/>
+            </a:pPr>
+            <a:r>
+              <a:rPr lang="it-IT" sz="1600" b="0" i="0" dirty="0">
+                <a:effectLst/>
+                <a:latin typeface="consolas" panose="020B0609020204030204" pitchFamily="49" charset="0"/>
+              </a:rPr>
+              <a:t>end: {date: "2021-05-31"}</a:t>
+            </a:r>
+          </a:p>
+          <a:p>
+            <a:pPr marL="1143000" lvl="2" indent="-228600" algn="l">
+              <a:buFont typeface="+mj-lt"/>
+              <a:buAutoNum type="arabicPeriod"/>
+            </a:pPr>
+            <a:r>
+              <a:rPr lang="it-IT" sz="1600" b="0" i="0" dirty="0" err="1">
+                <a:effectLst/>
+                <a:latin typeface="consolas" panose="020B0609020204030204" pitchFamily="49" charset="0"/>
+              </a:rPr>
+              <a:t>etag</a:t>
+            </a:r>
+            <a:r>
+              <a:rPr lang="it-IT" sz="1600" b="0" i="0" dirty="0">
+                <a:effectLst/>
+                <a:latin typeface="consolas" panose="020B0609020204030204" pitchFamily="49" charset="0"/>
+              </a:rPr>
+              <a:t>: "\"3237692423210000\""</a:t>
+            </a:r>
+          </a:p>
+          <a:p>
+            <a:pPr marL="1143000" lvl="2" indent="-228600" algn="l">
+              <a:buFont typeface="+mj-lt"/>
+              <a:buAutoNum type="arabicPeriod"/>
+            </a:pPr>
+            <a:r>
+              <a:rPr lang="it-IT" sz="1600" b="0" i="0" dirty="0" err="1">
+                <a:effectLst/>
+                <a:latin typeface="consolas" panose="020B0609020204030204" pitchFamily="49" charset="0"/>
+              </a:rPr>
+              <a:t>eventType</a:t>
+            </a:r>
+            <a:r>
+              <a:rPr lang="it-IT" sz="1600" b="0" i="0" dirty="0">
+                <a:effectLst/>
+                <a:latin typeface="consolas" panose="020B0609020204030204" pitchFamily="49" charset="0"/>
+              </a:rPr>
+              <a:t>: "default"</a:t>
+            </a:r>
+          </a:p>
+          <a:p>
+            <a:pPr marL="1143000" lvl="2" indent="-228600" algn="l">
+              <a:buFont typeface="+mj-lt"/>
+              <a:buAutoNum type="arabicPeriod"/>
+            </a:pPr>
+            <a:r>
+              <a:rPr lang="it-IT" sz="1600" b="0" i="0" dirty="0" err="1">
+                <a:effectLst/>
+                <a:latin typeface="consolas" panose="020B0609020204030204" pitchFamily="49" charset="0"/>
+              </a:rPr>
+              <a:t>htmlLink</a:t>
+            </a:r>
+            <a:r>
+              <a:rPr lang="it-IT" sz="1600" b="0" i="0" dirty="0">
+                <a:effectLst/>
+                <a:latin typeface="consolas" panose="020B0609020204030204" pitchFamily="49" charset="0"/>
+              </a:rPr>
+              <a:t>: "https://www.google.com/calendar/event?eid=MGFtaG10dnQxMzhya2JzdWY4NmEwcGduYTkgdThybTYycHVhbm9tZjIxN2NpbnB1b3NldHNAZw"</a:t>
+            </a:r>
+          </a:p>
+          <a:p>
+            <a:pPr marL="1143000" lvl="2" indent="-228600" algn="l">
+              <a:buFont typeface="+mj-lt"/>
+              <a:buAutoNum type="arabicPeriod"/>
+            </a:pPr>
+            <a:r>
+              <a:rPr lang="it-IT" sz="1600" b="0" i="0" dirty="0" err="1">
+                <a:effectLst/>
+                <a:latin typeface="consolas" panose="020B0609020204030204" pitchFamily="49" charset="0"/>
+              </a:rPr>
+              <a:t>iCalUID</a:t>
+            </a:r>
+            <a:r>
+              <a:rPr lang="it-IT" sz="1600" b="0" i="0" dirty="0">
+                <a:effectLst/>
+                <a:latin typeface="consolas" panose="020B0609020204030204" pitchFamily="49" charset="0"/>
+              </a:rPr>
+              <a:t>: "0amhmtvt138rkbsuf86a0pgna9@google.com"</a:t>
+            </a:r>
+          </a:p>
+          <a:p>
+            <a:pPr marL="1143000" lvl="2" indent="-228600" algn="l">
+              <a:buFont typeface="+mj-lt"/>
+              <a:buAutoNum type="arabicPeriod"/>
+            </a:pPr>
+            <a:r>
+              <a:rPr lang="it-IT" sz="1600" b="0" i="0" dirty="0">
+                <a:effectLst/>
+                <a:latin typeface="consolas" panose="020B0609020204030204" pitchFamily="49" charset="0"/>
+              </a:rPr>
+              <a:t>id: "0amhmtvt138rkbsuf86a0pgna9"</a:t>
+            </a:r>
+          </a:p>
+          <a:p>
+            <a:pPr marL="1143000" lvl="2" indent="-228600" algn="l">
+              <a:buFont typeface="+mj-lt"/>
+              <a:buAutoNum type="arabicPeriod"/>
+            </a:pPr>
+            <a:r>
+              <a:rPr lang="it-IT" sz="1600" b="0" i="0" dirty="0" err="1">
+                <a:effectLst/>
+                <a:latin typeface="consolas" panose="020B0609020204030204" pitchFamily="49" charset="0"/>
+              </a:rPr>
+              <a:t>kind</a:t>
+            </a:r>
+            <a:r>
+              <a:rPr lang="it-IT" sz="1600" b="0" i="0" dirty="0">
+                <a:effectLst/>
+                <a:latin typeface="consolas" panose="020B0609020204030204" pitchFamily="49" charset="0"/>
+              </a:rPr>
+              <a:t>: "</a:t>
+            </a:r>
+            <a:r>
+              <a:rPr lang="it-IT" sz="1600" b="0" i="0" dirty="0" err="1">
+                <a:effectLst/>
+                <a:latin typeface="consolas" panose="020B0609020204030204" pitchFamily="49" charset="0"/>
+              </a:rPr>
+              <a:t>calendar#event</a:t>
+            </a:r>
+            <a:r>
+              <a:rPr lang="it-IT" sz="1600" b="0" i="0" dirty="0">
+                <a:effectLst/>
+                <a:latin typeface="consolas" panose="020B0609020204030204" pitchFamily="49" charset="0"/>
+              </a:rPr>
+              <a:t>"</a:t>
+            </a:r>
+          </a:p>
+          <a:p>
+            <a:pPr marL="1143000" lvl="2" indent="-228600" algn="l">
+              <a:buFont typeface="+mj-lt"/>
+              <a:buAutoNum type="arabicPeriod"/>
+            </a:pPr>
+            <a:r>
+              <a:rPr lang="it-IT" sz="1600" b="0" i="0" dirty="0">
+                <a:effectLst/>
+                <a:latin typeface="consolas" panose="020B0609020204030204" pitchFamily="49" charset="0"/>
+              </a:rPr>
+              <a:t>organizer: {email: "u8rm62puanomf217cinpuosets@group.calendar.google.com", </a:t>
+            </a:r>
+            <a:r>
+              <a:rPr lang="it-IT" sz="1600" b="0" i="0" dirty="0" err="1">
+                <a:effectLst/>
+                <a:latin typeface="consolas" panose="020B0609020204030204" pitchFamily="49" charset="0"/>
+              </a:rPr>
+              <a:t>displayName</a:t>
+            </a:r>
+            <a:r>
+              <a:rPr lang="it-IT" sz="1600" b="0" i="0" dirty="0">
+                <a:effectLst/>
+                <a:latin typeface="consolas" panose="020B0609020204030204" pitchFamily="49" charset="0"/>
+              </a:rPr>
+              <a:t>: "Calendario Allenamenti", self: </a:t>
+            </a:r>
+            <a:r>
+              <a:rPr lang="it-IT" sz="1600" b="0" i="0" dirty="0" err="1">
+                <a:effectLst/>
+                <a:latin typeface="consolas" panose="020B0609020204030204" pitchFamily="49" charset="0"/>
+              </a:rPr>
+              <a:t>true</a:t>
+            </a:r>
+            <a:r>
+              <a:rPr lang="it-IT" sz="1600" b="0" i="0" dirty="0">
+                <a:effectLst/>
+                <a:latin typeface="consolas" panose="020B0609020204030204" pitchFamily="49" charset="0"/>
+              </a:rPr>
+              <a:t>}</a:t>
+            </a:r>
+          </a:p>
+          <a:p>
+            <a:pPr marL="1143000" lvl="2" indent="-228600" algn="l">
+              <a:buFont typeface="+mj-lt"/>
+              <a:buAutoNum type="arabicPeriod"/>
+            </a:pPr>
+            <a:r>
+              <a:rPr lang="it-IT" sz="1600" b="0" i="0" dirty="0" err="1">
+                <a:effectLst/>
+                <a:latin typeface="consolas" panose="020B0609020204030204" pitchFamily="49" charset="0"/>
+              </a:rPr>
+              <a:t>reminders</a:t>
+            </a:r>
+            <a:r>
+              <a:rPr lang="it-IT" sz="1600" b="0" i="0" dirty="0">
+                <a:effectLst/>
+                <a:latin typeface="consolas" panose="020B0609020204030204" pitchFamily="49" charset="0"/>
+              </a:rPr>
+              <a:t>: {</a:t>
+            </a:r>
+            <a:r>
+              <a:rPr lang="it-IT" sz="1600" b="0" i="0" dirty="0" err="1">
+                <a:effectLst/>
+                <a:latin typeface="consolas" panose="020B0609020204030204" pitchFamily="49" charset="0"/>
+              </a:rPr>
+              <a:t>useDefault</a:t>
+            </a:r>
+            <a:r>
+              <a:rPr lang="it-IT" sz="1600" b="0" i="0" dirty="0">
+                <a:effectLst/>
+                <a:latin typeface="consolas" panose="020B0609020204030204" pitchFamily="49" charset="0"/>
+              </a:rPr>
+              <a:t>: false}</a:t>
+            </a:r>
+          </a:p>
+          <a:p>
+            <a:pPr marL="1143000" lvl="2" indent="-228600" algn="l">
+              <a:buFont typeface="+mj-lt"/>
+              <a:buAutoNum type="arabicPeriod"/>
+            </a:pPr>
+            <a:r>
+              <a:rPr lang="it-IT" sz="1600" b="0" i="0" dirty="0" err="1">
+                <a:effectLst/>
+                <a:latin typeface="consolas" panose="020B0609020204030204" pitchFamily="49" charset="0"/>
+              </a:rPr>
+              <a:t>sequence</a:t>
+            </a:r>
+            <a:r>
+              <a:rPr lang="it-IT" sz="1600" b="0" i="0" dirty="0">
+                <a:effectLst/>
+                <a:latin typeface="consolas" panose="020B0609020204030204" pitchFamily="49" charset="0"/>
+              </a:rPr>
+              <a:t>: 0</a:t>
+            </a:r>
+          </a:p>
+          <a:p>
+            <a:pPr marL="1143000" lvl="2" indent="-228600" algn="l">
+              <a:buFont typeface="+mj-lt"/>
+              <a:buAutoNum type="arabicPeriod"/>
+            </a:pPr>
+            <a:r>
+              <a:rPr lang="it-IT" sz="1600" b="0" i="0" dirty="0">
+                <a:effectLst/>
+                <a:latin typeface="consolas" panose="020B0609020204030204" pitchFamily="49" charset="0"/>
+              </a:rPr>
+              <a:t>start: {date: "2021-05-30"}</a:t>
+            </a:r>
+          </a:p>
+          <a:p>
+            <a:pPr marL="1143000" lvl="2" indent="-228600" algn="l">
+              <a:buFont typeface="+mj-lt"/>
+              <a:buAutoNum type="arabicPeriod"/>
+            </a:pPr>
+            <a:r>
+              <a:rPr lang="it-IT" sz="1600" b="0" i="0" dirty="0">
+                <a:effectLst/>
+                <a:latin typeface="consolas" panose="020B0609020204030204" pitchFamily="49" charset="0"/>
+              </a:rPr>
+              <a:t>status: "</a:t>
+            </a:r>
+            <a:r>
+              <a:rPr lang="it-IT" sz="1600" b="0" i="0" dirty="0" err="1">
+                <a:effectLst/>
+                <a:latin typeface="consolas" panose="020B0609020204030204" pitchFamily="49" charset="0"/>
+              </a:rPr>
+              <a:t>confirmed</a:t>
+            </a:r>
+            <a:r>
+              <a:rPr lang="it-IT" sz="1600" b="0" i="0" dirty="0">
+                <a:effectLst/>
+                <a:latin typeface="consolas" panose="020B0609020204030204" pitchFamily="49" charset="0"/>
+              </a:rPr>
+              <a:t>"</a:t>
+            </a:r>
+          </a:p>
+          <a:p>
+            <a:pPr marL="1143000" lvl="2" indent="-228600" algn="l">
+              <a:buFont typeface="+mj-lt"/>
+              <a:buAutoNum type="arabicPeriod"/>
+            </a:pPr>
+            <a:r>
+              <a:rPr lang="it-IT" sz="1600" b="0" i="0" dirty="0" err="1">
+                <a:effectLst/>
+                <a:latin typeface="consolas" panose="020B0609020204030204" pitchFamily="49" charset="0"/>
+              </a:rPr>
+              <a:t>summary</a:t>
+            </a:r>
+            <a:r>
+              <a:rPr lang="it-IT" sz="1600" b="0" i="0" dirty="0">
+                <a:effectLst/>
+                <a:latin typeface="consolas" panose="020B0609020204030204" pitchFamily="49" charset="0"/>
+              </a:rPr>
+              <a:t>: "Gara Nazionale"</a:t>
+            </a:r>
+          </a:p>
+          <a:p>
+            <a:pPr marL="1143000" lvl="2" indent="-228600" algn="l">
+              <a:buFont typeface="+mj-lt"/>
+              <a:buAutoNum type="arabicPeriod"/>
+            </a:pPr>
+            <a:r>
+              <a:rPr lang="it-IT" sz="1600" b="0" i="0" dirty="0" err="1">
+                <a:effectLst/>
+                <a:latin typeface="consolas" panose="020B0609020204030204" pitchFamily="49" charset="0"/>
+              </a:rPr>
+              <a:t>transparency</a:t>
+            </a:r>
+            <a:r>
+              <a:rPr lang="it-IT" sz="1600" b="0" i="0" dirty="0">
+                <a:effectLst/>
+                <a:latin typeface="consolas" panose="020B0609020204030204" pitchFamily="49" charset="0"/>
+              </a:rPr>
+              <a:t>: "</a:t>
+            </a:r>
+            <a:r>
+              <a:rPr lang="it-IT" sz="1600" b="0" i="0" dirty="0" err="1">
+                <a:effectLst/>
+                <a:latin typeface="consolas" panose="020B0609020204030204" pitchFamily="49" charset="0"/>
+              </a:rPr>
+              <a:t>transparent</a:t>
+            </a:r>
+            <a:r>
+              <a:rPr lang="it-IT" sz="1600" b="0" i="0" dirty="0">
+                <a:effectLst/>
+                <a:latin typeface="consolas" panose="020B0609020204030204" pitchFamily="49" charset="0"/>
+              </a:rPr>
+              <a:t>"</a:t>
+            </a:r>
+          </a:p>
+          <a:p>
+            <a:pPr marL="1143000" lvl="2" indent="-228600" algn="l">
+              <a:buFont typeface="+mj-lt"/>
+              <a:buAutoNum type="arabicPeriod"/>
+            </a:pPr>
+            <a:r>
+              <a:rPr lang="it-IT" sz="1600" b="0" i="0" dirty="0" err="1">
+                <a:effectLst/>
+                <a:latin typeface="consolas" panose="020B0609020204030204" pitchFamily="49" charset="0"/>
+              </a:rPr>
+              <a:t>updated</a:t>
+            </a:r>
+            <a:r>
+              <a:rPr lang="it-IT" sz="1600" b="0" i="0" dirty="0">
+                <a:effectLst/>
+                <a:latin typeface="consolas" panose="020B0609020204030204" pitchFamily="49" charset="0"/>
+              </a:rPr>
+              <a:t>: "2021-04-19T15:30:11.605Z"</a:t>
+            </a:r>
+          </a:p>
+          <a:p>
+            <a:pPr marL="1143000" lvl="2" indent="-228600" algn="l">
+              <a:buFont typeface="+mj-lt"/>
+              <a:buAutoNum type="arabicPeriod"/>
+            </a:pPr>
+            <a:r>
+              <a:rPr lang="it-IT" sz="1600" b="0" i="0" dirty="0">
+                <a:effectLst/>
+                <a:latin typeface="consolas" panose="020B0609020204030204" pitchFamily="49" charset="0"/>
+              </a:rPr>
+              <a:t>__proto__: Object</a:t>
+            </a:r>
+          </a:p>
+        </p:txBody>
+      </p:sp>
+    </p:spTree>
+    <p:extLst>
+      <p:ext uri="{BB962C8B-B14F-4D97-AF65-F5344CB8AC3E}">
+        <p14:creationId xmlns:p14="http://schemas.microsoft.com/office/powerpoint/2010/main" val="2282673396"/>
       </p:ext>
     </p:extLst>
   </p:cSld>
